--- a/components.pptx
+++ b/components.pptx
@@ -10,7 +10,7 @@
   <p:sldIdLst>
     <p:sldId id="293" r:id="rId2"/>
     <p:sldId id="294" r:id="rId3"/>
-    <p:sldId id="298" r:id="rId4"/>
+    <p:sldId id="300" r:id="rId4"/>
     <p:sldId id="278" r:id="rId5"/>
     <p:sldId id="280" r:id="rId6"/>
     <p:sldId id="281" r:id="rId7"/>
@@ -5374,10 +5374,10 @@
       </p:grpSpPr>
       <p:sp>
         <p:nvSpPr>
-          <p:cNvPr id="5" name="Заголовок 4">
+          <p:cNvPr id="2" name="Заголовок 1">
             <a:extLst>
               <a:ext uri="{FF2B5EF4-FFF2-40B4-BE49-F238E27FC236}">
-                <a16:creationId xmlns:a16="http://schemas.microsoft.com/office/drawing/2014/main" id="{71B4DFEC-9FD9-4749-AE95-71D326A707C4}"/>
+                <a16:creationId xmlns:a16="http://schemas.microsoft.com/office/drawing/2014/main" id="{D1FC2DC8-0439-4D73-8A55-BFB02BB7716F}"/>
               </a:ext>
             </a:extLst>
           </p:cNvPr>
@@ -5394,18 +5394,19 @@
           <a:lstStyle/>
           <a:p>
             <a:r>
-              <a:rPr lang="ru-RU" dirty="0"/>
-              <a:t>Содержимое манифеста</a:t>
+              <a:rPr lang="en-US" dirty="0"/>
+              <a:t>Example app</a:t>
             </a:r>
+            <a:endParaRPr lang="ru-RU" dirty="0"/>
           </a:p>
         </p:txBody>
       </p:sp>
       <p:sp>
         <p:nvSpPr>
-          <p:cNvPr id="6" name="Текст 5">
+          <p:cNvPr id="3" name="Текст 2">
             <a:extLst>
               <a:ext uri="{FF2B5EF4-FFF2-40B4-BE49-F238E27FC236}">
-                <a16:creationId xmlns:a16="http://schemas.microsoft.com/office/drawing/2014/main" id="{6183C5BB-8B7F-4C19-A2CE-5F9B11BFECF4}"/>
+                <a16:creationId xmlns:a16="http://schemas.microsoft.com/office/drawing/2014/main" id="{030FF1AD-F77E-42EB-AF59-6E5063CFE78C}"/>
               </a:ext>
             </a:extLst>
           </p:cNvPr>
@@ -5416,64 +5417,31 @@
             <p:ph type="body" idx="1"/>
           </p:nvPr>
         </p:nvSpPr>
-        <p:spPr>
-          <a:xfrm>
-            <a:off x="311700" y="1152475"/>
-            <a:ext cx="8520600" cy="3416400"/>
-          </a:xfrm>
-        </p:spPr>
+        <p:spPr/>
         <p:txBody>
           <a:bodyPr/>
           <a:lstStyle/>
           <a:p>
             <a:r>
-              <a:rPr lang="ru-RU" dirty="0">
+              <a:rPr lang="en-US" dirty="0">
                 <a:solidFill>
                   <a:schemeClr val="tx1"/>
                 </a:solidFill>
               </a:rPr>
-              <a:t>Имя пакета</a:t>
+              <a:t>https://github.com/Selidinok/android_components</a:t>
             </a:r>
-          </a:p>
-          <a:p>
-            <a:r>
-              <a:rPr lang="ru-RU" dirty="0">
-                <a:solidFill>
-                  <a:schemeClr val="tx1"/>
-                </a:solidFill>
-              </a:rPr>
-              <a:t>Перечисление компонентов приложения</a:t>
-            </a:r>
-          </a:p>
-          <a:p>
-            <a:r>
-              <a:rPr lang="ru-RU" dirty="0">
-                <a:solidFill>
-                  <a:schemeClr val="tx1"/>
-                </a:solidFill>
-              </a:rPr>
-              <a:t>Разрешения нужные приложению</a:t>
-            </a:r>
-          </a:p>
-          <a:p>
-            <a:r>
-              <a:rPr lang="ru-RU" dirty="0">
-                <a:solidFill>
-                  <a:schemeClr val="tx1"/>
-                </a:solidFill>
-              </a:rPr>
-              <a:t>Минимальная версия андроида</a:t>
-            </a:r>
-          </a:p>
-          <a:p>
-            <a:endParaRPr lang="ru-RU" dirty="0"/>
+            <a:endParaRPr lang="ru-RU" dirty="0">
+              <a:solidFill>
+                <a:schemeClr val="tx1"/>
+              </a:solidFill>
+            </a:endParaRPr>
           </a:p>
         </p:txBody>
       </p:sp>
     </p:spTree>
     <p:extLst>
       <p:ext uri="{BB962C8B-B14F-4D97-AF65-F5344CB8AC3E}">
-        <p14:creationId xmlns:p14="http://schemas.microsoft.com/office/powerpoint/2010/main" val="2185143200"/>
+        <p14:creationId xmlns:p14="http://schemas.microsoft.com/office/powerpoint/2010/main" val="39465087"/>
       </p:ext>
     </p:extLst>
   </p:cSld>
